--- a/受控文档/软件需求工程/3项目执行/PRD2018-G14-JAD会议.pptx
+++ b/受控文档/软件需求工程/3项目执行/PRD2018-G14-JAD会议.pptx
@@ -13,9 +13,9 @@
     <p:sldId id="258" r:id="rId4"/>
     <p:sldId id="272" r:id="rId5"/>
     <p:sldId id="260" r:id="rId6"/>
-    <p:sldId id="273" r:id="rId7"/>
-    <p:sldId id="274" r:id="rId8"/>
-    <p:sldId id="275" r:id="rId9"/>
+    <p:sldId id="275" r:id="rId7"/>
+    <p:sldId id="277" r:id="rId8"/>
+    <p:sldId id="276" r:id="rId9"/>
     <p:sldId id="264" r:id="rId10"/>
     <p:sldId id="270" r:id="rId11"/>
     <p:sldId id="269" r:id="rId12"/>
@@ -207,7 +207,7 @@
           <a:p>
             <a:fld id="{D3F75B5F-12A2-4A99-9999-C4FB5F11DB93}" type="datetimeFigureOut">
               <a:rPr lang="zh-CN" altLang="en-US" smtClean="0"/>
-              <a:t>2019/1/5</a:t>
+              <a:t>2019/1/6</a:t>
             </a:fld>
             <a:endParaRPr lang="zh-CN" altLang="en-US"/>
           </a:p>
@@ -475,6 +475,90 @@
 </p:notesMaster>
 </file>
 
+<file path=ppt/notesSlides/notesSlide1.xml><?xml version="1.0" encoding="utf-8"?>
+<p:notes xmlns:a="http://schemas.openxmlformats.org/drawingml/2006/main" xmlns:r="http://schemas.openxmlformats.org/officeDocument/2006/relationships" xmlns:p="http://schemas.openxmlformats.org/presentationml/2006/main">
+  <p:cSld>
+    <p:spTree>
+      <p:nvGrpSpPr>
+        <p:cNvPr id="1" name=""/>
+        <p:cNvGrpSpPr/>
+        <p:nvPr/>
+      </p:nvGrpSpPr>
+      <p:grpSpPr>
+        <a:xfrm>
+          <a:off x="0" y="0"/>
+          <a:ext cx="0" cy="0"/>
+          <a:chOff x="0" y="0"/>
+          <a:chExt cx="0" cy="0"/>
+        </a:xfrm>
+      </p:grpSpPr>
+      <p:sp>
+        <p:nvSpPr>
+          <p:cNvPr id="2" name="幻灯片图像占位符 1"/>
+          <p:cNvSpPr>
+            <a:spLocks noGrp="1" noRot="1" noChangeAspect="1"/>
+          </p:cNvSpPr>
+          <p:nvPr>
+            <p:ph type="sldImg"/>
+          </p:nvPr>
+        </p:nvSpPr>
+        <p:spPr/>
+      </p:sp>
+      <p:sp>
+        <p:nvSpPr>
+          <p:cNvPr id="3" name="备注占位符 2"/>
+          <p:cNvSpPr>
+            <a:spLocks noGrp="1"/>
+          </p:cNvSpPr>
+          <p:nvPr>
+            <p:ph type="body" idx="1"/>
+          </p:nvPr>
+        </p:nvSpPr>
+        <p:spPr/>
+        <p:txBody>
+          <a:bodyPr/>
+          <a:lstStyle/>
+          <a:p>
+            <a:endParaRPr lang="zh-CN" altLang="en-US" dirty="0"/>
+          </a:p>
+        </p:txBody>
+      </p:sp>
+      <p:sp>
+        <p:nvSpPr>
+          <p:cNvPr id="4" name="灯片编号占位符 3"/>
+          <p:cNvSpPr>
+            <a:spLocks noGrp="1"/>
+          </p:cNvSpPr>
+          <p:nvPr>
+            <p:ph type="sldNum" sz="quarter" idx="10"/>
+          </p:nvPr>
+        </p:nvSpPr>
+        <p:spPr/>
+        <p:txBody>
+          <a:bodyPr/>
+          <a:lstStyle/>
+          <a:p>
+            <a:fld id="{8439B482-6C7C-4207-91E3-31D3C90B4AE9}" type="slidenum">
+              <a:rPr lang="zh-CN" altLang="en-US" smtClean="0"/>
+              <a:t>6</a:t>
+            </a:fld>
+            <a:endParaRPr lang="zh-CN" altLang="en-US"/>
+          </a:p>
+        </p:txBody>
+      </p:sp>
+    </p:spTree>
+    <p:extLst>
+      <p:ext uri="{BB962C8B-B14F-4D97-AF65-F5344CB8AC3E}">
+        <p14:creationId xmlns:p14="http://schemas.microsoft.com/office/powerpoint/2010/main" val="672147950"/>
+      </p:ext>
+    </p:extLst>
+  </p:cSld>
+  <p:clrMapOvr>
+    <a:masterClrMapping/>
+  </p:clrMapOvr>
+</p:notes>
+</file>
+
 <file path=ppt/slideLayouts/slideLayout1.xml><?xml version="1.0" encoding="utf-8"?>
 <p:sldLayout xmlns:a="http://schemas.openxmlformats.org/drawingml/2006/main" xmlns:r="http://schemas.openxmlformats.org/officeDocument/2006/relationships" xmlns:p="http://schemas.openxmlformats.org/presentationml/2006/main" type="title" preserve="1">
   <p:cSld name="标题幻灯片">
@@ -606,7 +690,7 @@
           <a:p>
             <a:fld id="{1F53721B-B8D3-4F4C-8CE3-63CF93A63A72}" type="datetimeFigureOut">
               <a:rPr lang="zh-CN" altLang="en-US" smtClean="0"/>
-              <a:t>2019/1/5</a:t>
+              <a:t>2019/1/6</a:t>
             </a:fld>
             <a:endParaRPr lang="zh-CN" altLang="en-US"/>
           </a:p>
@@ -776,7 +860,7 @@
           <a:p>
             <a:fld id="{1F53721B-B8D3-4F4C-8CE3-63CF93A63A72}" type="datetimeFigureOut">
               <a:rPr lang="zh-CN" altLang="en-US" smtClean="0"/>
-              <a:t>2019/1/5</a:t>
+              <a:t>2019/1/6</a:t>
             </a:fld>
             <a:endParaRPr lang="zh-CN" altLang="en-US"/>
           </a:p>
@@ -956,7 +1040,7 @@
           <a:p>
             <a:fld id="{1F53721B-B8D3-4F4C-8CE3-63CF93A63A72}" type="datetimeFigureOut">
               <a:rPr lang="zh-CN" altLang="en-US" smtClean="0"/>
-              <a:t>2019/1/5</a:t>
+              <a:t>2019/1/6</a:t>
             </a:fld>
             <a:endParaRPr lang="zh-CN" altLang="en-US"/>
           </a:p>
@@ -1126,7 +1210,7 @@
           <a:p>
             <a:fld id="{1F53721B-B8D3-4F4C-8CE3-63CF93A63A72}" type="datetimeFigureOut">
               <a:rPr lang="zh-CN" altLang="en-US" smtClean="0"/>
-              <a:t>2019/1/5</a:t>
+              <a:t>2019/1/6</a:t>
             </a:fld>
             <a:endParaRPr lang="zh-CN" altLang="en-US"/>
           </a:p>
@@ -1372,7 +1456,7 @@
           <a:p>
             <a:fld id="{1F53721B-B8D3-4F4C-8CE3-63CF93A63A72}" type="datetimeFigureOut">
               <a:rPr lang="zh-CN" altLang="en-US" smtClean="0"/>
-              <a:t>2019/1/5</a:t>
+              <a:t>2019/1/6</a:t>
             </a:fld>
             <a:endParaRPr lang="zh-CN" altLang="en-US"/>
           </a:p>
@@ -1604,7 +1688,7 @@
           <a:p>
             <a:fld id="{1F53721B-B8D3-4F4C-8CE3-63CF93A63A72}" type="datetimeFigureOut">
               <a:rPr lang="zh-CN" altLang="en-US" smtClean="0"/>
-              <a:t>2019/1/5</a:t>
+              <a:t>2019/1/6</a:t>
             </a:fld>
             <a:endParaRPr lang="zh-CN" altLang="en-US"/>
           </a:p>
@@ -1971,7 +2055,7 @@
           <a:p>
             <a:fld id="{1F53721B-B8D3-4F4C-8CE3-63CF93A63A72}" type="datetimeFigureOut">
               <a:rPr lang="zh-CN" altLang="en-US" smtClean="0"/>
-              <a:t>2019/1/5</a:t>
+              <a:t>2019/1/6</a:t>
             </a:fld>
             <a:endParaRPr lang="zh-CN" altLang="en-US"/>
           </a:p>
@@ -2089,7 +2173,7 @@
           <a:p>
             <a:fld id="{1F53721B-B8D3-4F4C-8CE3-63CF93A63A72}" type="datetimeFigureOut">
               <a:rPr lang="zh-CN" altLang="en-US" smtClean="0"/>
-              <a:t>2019/1/5</a:t>
+              <a:t>2019/1/6</a:t>
             </a:fld>
             <a:endParaRPr lang="zh-CN" altLang="en-US"/>
           </a:p>
@@ -2184,7 +2268,7 @@
           <a:p>
             <a:fld id="{1F53721B-B8D3-4F4C-8CE3-63CF93A63A72}" type="datetimeFigureOut">
               <a:rPr lang="zh-CN" altLang="en-US" smtClean="0"/>
-              <a:t>2019/1/5</a:t>
+              <a:t>2019/1/6</a:t>
             </a:fld>
             <a:endParaRPr lang="zh-CN" altLang="en-US"/>
           </a:p>
@@ -2461,7 +2545,7 @@
           <a:p>
             <a:fld id="{1F53721B-B8D3-4F4C-8CE3-63CF93A63A72}" type="datetimeFigureOut">
               <a:rPr lang="zh-CN" altLang="en-US" smtClean="0"/>
-              <a:t>2019/1/5</a:t>
+              <a:t>2019/1/6</a:t>
             </a:fld>
             <a:endParaRPr lang="zh-CN" altLang="en-US"/>
           </a:p>
@@ -2714,7 +2798,7 @@
           <a:p>
             <a:fld id="{1F53721B-B8D3-4F4C-8CE3-63CF93A63A72}" type="datetimeFigureOut">
               <a:rPr lang="zh-CN" altLang="en-US" smtClean="0"/>
-              <a:t>2019/1/5</a:t>
+              <a:t>2019/1/6</a:t>
             </a:fld>
             <a:endParaRPr lang="zh-CN" altLang="en-US"/>
           </a:p>
@@ -2927,7 +3011,7 @@
           <a:p>
             <a:fld id="{1F53721B-B8D3-4F4C-8CE3-63CF93A63A72}" type="datetimeFigureOut">
               <a:rPr lang="zh-CN" altLang="en-US" smtClean="0"/>
-              <a:t>2019/1/5</a:t>
+              <a:t>2019/1/6</a:t>
             </a:fld>
             <a:endParaRPr lang="zh-CN" altLang="en-US"/>
           </a:p>
@@ -3948,7 +4032,7 @@
         <p:spPr>
           <a:xfrm>
             <a:off x="2984954" y="2227580"/>
-            <a:ext cx="6415314" cy="3207657"/>
+            <a:ext cx="6003290" cy="3001645"/>
           </a:xfrm>
           <a:prstGeom prst="rect">
             <a:avLst/>
@@ -4039,52 +4123,6 @@
               </a:solidFill>
               <a:latin typeface="Helvetica" panose="020B0604020202030204" pitchFamily="34" charset="0"/>
             </a:endParaRPr>
-          </a:p>
-        </p:txBody>
-      </p:sp>
-      <p:sp>
-        <p:nvSpPr>
-          <p:cNvPr id="10" name="矩形 9"/>
-          <p:cNvSpPr/>
-          <p:nvPr/>
-        </p:nvSpPr>
-        <p:spPr>
-          <a:xfrm>
-            <a:off x="2393950" y="2227580"/>
-            <a:ext cx="190500" cy="350520"/>
-          </a:xfrm>
-          <a:prstGeom prst="rect">
-            <a:avLst/>
-          </a:prstGeom>
-          <a:solidFill>
-            <a:schemeClr val="tx2"/>
-          </a:solidFill>
-          <a:ln>
-            <a:noFill/>
-          </a:ln>
-        </p:spPr>
-        <p:style>
-          <a:lnRef idx="2">
-            <a:schemeClr val="accent1">
-              <a:shade val="50000"/>
-            </a:schemeClr>
-          </a:lnRef>
-          <a:fillRef idx="1">
-            <a:schemeClr val="accent1"/>
-          </a:fillRef>
-          <a:effectRef idx="0">
-            <a:schemeClr val="accent1"/>
-          </a:effectRef>
-          <a:fontRef idx="minor">
-            <a:schemeClr val="lt1"/>
-          </a:fontRef>
-        </p:style>
-        <p:txBody>
-          <a:bodyPr rtlCol="0" anchor="ctr"/>
-          <a:lstStyle/>
-          <a:p>
-            <a:pPr algn="ctr"/>
-            <a:endParaRPr lang="zh-CN" altLang="en-US"/>
           </a:p>
         </p:txBody>
       </p:sp>
@@ -5017,7 +5055,7 @@
                 </a:solidFill>
                 <a:latin typeface="Helvetica" panose="020B0604020202030204" pitchFamily="34" charset="0"/>
               </a:rPr>
-              <a:t>冲突一</a:t>
+              <a:t>冲突</a:t>
             </a:r>
             <a:endParaRPr lang="zh-CN" altLang="en-US" sz="2000" dirty="0">
               <a:solidFill>
@@ -5057,7 +5095,7 @@
                 </a:solidFill>
                 <a:latin typeface="Helvetica" panose="020B0604020202030204" pitchFamily="34" charset="0"/>
               </a:rPr>
-              <a:t>冲突二</a:t>
+              <a:t>原型展示</a:t>
             </a:r>
             <a:endParaRPr lang="zh-CN" altLang="en-US" sz="2000" dirty="0">
               <a:solidFill>
@@ -5748,8 +5786,8 @@
         </p:nvSpPr>
         <p:spPr>
           <a:xfrm>
-            <a:off x="2545483" y="1645468"/>
-            <a:ext cx="7101033" cy="1200329"/>
+            <a:off x="2545483" y="1512118"/>
+            <a:ext cx="7101033" cy="1938992"/>
           </a:xfrm>
           <a:prstGeom prst="rect">
             <a:avLst/>
@@ -5772,7 +5810,62 @@
                 </a:solidFill>
                 <a:latin typeface="Helvetica" panose="020B0604020202030204" pitchFamily="34" charset="0"/>
               </a:rPr>
-              <a:t>教师认为管理员是拥有所有的权限，包括帖子内容的增删改查。管理员认为帖子的修改时不重要的，并且不想放在管理员的需求里。</a:t>
+              <a:t>教师认为管理员是拥有所有的权限，包括帖子内容的增删改查</a:t>
+            </a:r>
+            <a:r>
+              <a:rPr lang="zh-CN" altLang="en-US" sz="2400" dirty="0" smtClean="0">
+                <a:solidFill>
+                  <a:schemeClr val="bg2">
+                    <a:lumMod val="25000"/>
+                  </a:schemeClr>
+                </a:solidFill>
+                <a:latin typeface="Helvetica" panose="020B0604020202030204" pitchFamily="34" charset="0"/>
+              </a:rPr>
+              <a:t>。</a:t>
+            </a:r>
+            <a:endParaRPr lang="en-US" altLang="zh-CN" sz="2400" dirty="0" smtClean="0">
+              <a:solidFill>
+                <a:schemeClr val="bg2">
+                  <a:lumMod val="25000"/>
+                </a:schemeClr>
+              </a:solidFill>
+              <a:latin typeface="Helvetica" panose="020B0604020202030204" pitchFamily="34" charset="0"/>
+            </a:endParaRPr>
+          </a:p>
+          <a:p>
+            <a:pPr algn="ctr"/>
+            <a:endParaRPr lang="en-US" altLang="zh-CN" sz="2400" dirty="0">
+              <a:solidFill>
+                <a:schemeClr val="bg2">
+                  <a:lumMod val="25000"/>
+                </a:schemeClr>
+              </a:solidFill>
+              <a:latin typeface="Helvetica" panose="020B0604020202030204" pitchFamily="34" charset="0"/>
+            </a:endParaRPr>
+          </a:p>
+          <a:p>
+            <a:pPr algn="ctr"/>
+            <a:r>
+              <a:rPr lang="zh-CN" altLang="en-US" sz="2400" dirty="0" smtClean="0">
+                <a:solidFill>
+                  <a:schemeClr val="bg2">
+                    <a:lumMod val="25000"/>
+                  </a:schemeClr>
+                </a:solidFill>
+                <a:latin typeface="Helvetica" panose="020B0604020202030204" pitchFamily="34" charset="0"/>
+              </a:rPr>
+              <a:t>管理员</a:t>
+            </a:r>
+            <a:r>
+              <a:rPr lang="zh-CN" altLang="en-US" sz="2400" dirty="0" smtClean="0">
+                <a:solidFill>
+                  <a:schemeClr val="bg2">
+                    <a:lumMod val="25000"/>
+                  </a:schemeClr>
+                </a:solidFill>
+                <a:latin typeface="Helvetica" panose="020B0604020202030204" pitchFamily="34" charset="0"/>
+              </a:rPr>
+              <a:t>认为帖子的修改时不重要的，并且不想放在管理员的需求里。</a:t>
             </a:r>
             <a:endParaRPr lang="zh-CN" altLang="en-US" sz="2400" dirty="0">
               <a:solidFill>
@@ -6029,7 +6122,7 @@
           <p:nvPr/>
         </p:nvPicPr>
         <p:blipFill rotWithShape="1">
-          <a:blip r:embed="rId2">
+          <a:blip r:embed="rId3">
             <a:extLst>
               <a:ext uri="{28A0092B-C50C-407E-A947-70E740481C1C}">
                 <a14:useLocalDpi xmlns:a14="http://schemas.microsoft.com/office/drawing/2010/main" val="0"/>
@@ -6067,7 +6160,7 @@
         </p:nvSpPr>
         <p:spPr>
           <a:xfrm>
-            <a:off x="-1" y="-1588"/>
+            <a:off x="1" y="-1589"/>
             <a:ext cx="12192001" cy="6858000"/>
           </a:xfrm>
           <a:prstGeom prst="rect">
@@ -6116,7 +6209,7 @@
         </p:nvSpPr>
         <p:spPr>
           <a:xfrm>
-            <a:off x="5687510" y="2561106"/>
+            <a:off x="5380441" y="2561106"/>
             <a:ext cx="3514725" cy="1732611"/>
           </a:xfrm>
           <a:prstGeom prst="snip2DiagRect">
@@ -6168,8 +6261,8 @@
         </p:nvSpPr>
         <p:spPr>
           <a:xfrm>
-            <a:off x="2575427" y="2704136"/>
-            <a:ext cx="4358773" cy="1446550"/>
+            <a:off x="2938918" y="2704137"/>
+            <a:ext cx="4795382" cy="1446550"/>
           </a:xfrm>
           <a:prstGeom prst="rect">
             <a:avLst/>
@@ -6189,7 +6282,7 @@
                 </a:solidFill>
                 <a:latin typeface="Helvetica" panose="020B0604020202030204" pitchFamily="34" charset="0"/>
               </a:rPr>
-              <a:t>THREE</a:t>
+              <a:t>TWO+</a:t>
             </a:r>
             <a:endParaRPr lang="zh-CN" altLang="en-US" sz="8800" dirty="0">
               <a:solidFill>
@@ -6208,7 +6301,7 @@
         </p:nvSpPr>
         <p:spPr>
           <a:xfrm>
-            <a:off x="6716035" y="3073468"/>
+            <a:off x="6561177" y="3027301"/>
             <a:ext cx="2793591" cy="400110"/>
           </a:xfrm>
           <a:prstGeom prst="rect">
@@ -6229,7 +6322,34 @@
                 </a:solidFill>
                 <a:latin typeface="Helvetica" panose="020B0604020202030204" pitchFamily="34" charset="0"/>
               </a:rPr>
-              <a:t>冲突二</a:t>
+              <a:t>小</a:t>
+            </a:r>
+            <a:r>
+              <a:rPr lang="zh-CN" altLang="en-US" sz="2000" dirty="0" smtClean="0">
+                <a:solidFill>
+                  <a:schemeClr val="bg1"/>
+                </a:solidFill>
+                <a:latin typeface="Helvetica" panose="020B0604020202030204" pitchFamily="34" charset="0"/>
+              </a:rPr>
+              <a:t>问题</a:t>
+            </a:r>
+            <a:r>
+              <a:rPr lang="en-US" altLang="zh-CN" sz="2000" dirty="0" smtClean="0">
+                <a:solidFill>
+                  <a:schemeClr val="bg1"/>
+                </a:solidFill>
+                <a:latin typeface="Helvetica" panose="020B0604020202030204" pitchFamily="34" charset="0"/>
+              </a:rPr>
+              <a:t>+</a:t>
+            </a:r>
+            <a:r>
+              <a:rPr lang="zh-CN" altLang="en-US" sz="2000" dirty="0" smtClean="0">
+                <a:solidFill>
+                  <a:schemeClr val="bg1"/>
+                </a:solidFill>
+                <a:latin typeface="Helvetica" panose="020B0604020202030204" pitchFamily="34" charset="0"/>
+              </a:rPr>
+              <a:t>改进的地方</a:t>
             </a:r>
             <a:endParaRPr lang="zh-CN" altLang="en-US" sz="2000" dirty="0">
               <a:solidFill>
@@ -6243,7 +6363,7 @@
     </p:spTree>
     <p:extLst>
       <p:ext uri="{BB962C8B-B14F-4D97-AF65-F5344CB8AC3E}">
-        <p14:creationId xmlns:p14="http://schemas.microsoft.com/office/powerpoint/2010/main" val="2097198250"/>
+        <p14:creationId xmlns:p14="http://schemas.microsoft.com/office/powerpoint/2010/main" val="2385876264"/>
       </p:ext>
     </p:extLst>
   </p:cSld>
@@ -6279,14 +6399,14 @@
       </p:grpSpPr>
       <p:sp>
         <p:nvSpPr>
-          <p:cNvPr id="4" name="文本框 3"/>
+          <p:cNvPr id="2" name="TextBox 1"/>
           <p:cNvSpPr txBox="1"/>
           <p:nvPr/>
         </p:nvSpPr>
         <p:spPr>
           <a:xfrm>
-            <a:off x="3094910" y="580571"/>
-            <a:ext cx="5706905" cy="584775"/>
+            <a:off x="2638425" y="1371600"/>
+            <a:ext cx="6096000" cy="2862322"/>
           </a:xfrm>
           <a:prstGeom prst="rect">
             <a:avLst/>
@@ -6300,311 +6420,112 @@
           <a:lstStyle/>
           <a:p>
             <a:r>
-              <a:rPr lang="zh-CN" altLang="en-US" sz="3200" dirty="0" smtClean="0">
-                <a:solidFill>
-                  <a:schemeClr val="bg2">
-                    <a:lumMod val="25000"/>
-                  </a:schemeClr>
-                </a:solidFill>
-                <a:latin typeface="Helvetica" panose="020B0604020202030204" pitchFamily="34" charset="0"/>
-              </a:rPr>
-              <a:t>冲突二：管理员与教师的冲突</a:t>
-            </a:r>
-            <a:endParaRPr lang="zh-CN" altLang="en-US" sz="3200" dirty="0">
-              <a:solidFill>
-                <a:schemeClr val="bg2">
-                  <a:lumMod val="25000"/>
-                </a:schemeClr>
-              </a:solidFill>
-              <a:latin typeface="Helvetica" panose="020B0604020202030204" pitchFamily="34" charset="0"/>
-            </a:endParaRPr>
-          </a:p>
-        </p:txBody>
-      </p:sp>
-      <p:cxnSp>
-        <p:nvCxnSpPr>
-          <p:cNvPr id="6" name="直接连接符 5"/>
-          <p:cNvCxnSpPr/>
-          <p:nvPr/>
-        </p:nvCxnSpPr>
-        <p:spPr>
-          <a:xfrm>
-            <a:off x="5634038" y="1319213"/>
-            <a:ext cx="628650" cy="0"/>
-          </a:xfrm>
-          <a:prstGeom prst="line">
-            <a:avLst/>
-          </a:prstGeom>
-          <a:ln w="28575">
-            <a:solidFill>
-              <a:schemeClr val="bg2">
-                <a:lumMod val="25000"/>
-              </a:schemeClr>
-            </a:solidFill>
-          </a:ln>
-        </p:spPr>
-        <p:style>
-          <a:lnRef idx="1">
-            <a:schemeClr val="accent1"/>
-          </a:lnRef>
-          <a:fillRef idx="0">
-            <a:schemeClr val="accent1"/>
-          </a:fillRef>
-          <a:effectRef idx="0">
-            <a:schemeClr val="accent1"/>
-          </a:effectRef>
-          <a:fontRef idx="minor">
-            <a:schemeClr val="tx1"/>
-          </a:fontRef>
-        </p:style>
-      </p:cxnSp>
-      <p:sp>
-        <p:nvSpPr>
-          <p:cNvPr id="8" name="文本框 7"/>
-          <p:cNvSpPr txBox="1"/>
-          <p:nvPr/>
-        </p:nvSpPr>
-        <p:spPr>
-          <a:xfrm>
-            <a:off x="2545483" y="1645468"/>
-            <a:ext cx="7101033" cy="1200329"/>
-          </a:xfrm>
-          <a:prstGeom prst="rect">
-            <a:avLst/>
-          </a:prstGeom>
-          <a:noFill/>
-        </p:spPr>
-        <p:txBody>
-          <a:bodyPr wrap="square" rtlCol="0">
-            <a:spAutoFit/>
-          </a:bodyPr>
-          <a:lstStyle/>
-          <a:p>
-            <a:pPr algn="ctr"/>
-            <a:r>
-              <a:rPr lang="zh-CN" altLang="en-US" sz="2400" dirty="0" smtClean="0">
-                <a:solidFill>
-                  <a:schemeClr val="bg2">
-                    <a:lumMod val="25000"/>
-                  </a:schemeClr>
-                </a:solidFill>
-                <a:latin typeface="Helvetica" panose="020B0604020202030204" pitchFamily="34" charset="0"/>
-              </a:rPr>
-              <a:t>教师认为管理员是拥有所有的权限，包括帖子内容的增删改查。管理员认为帖子的修改时不重要的，并且不想放在管理员的需求里。</a:t>
-            </a:r>
-            <a:endParaRPr lang="zh-CN" altLang="en-US" sz="2400" dirty="0">
-              <a:solidFill>
-                <a:schemeClr val="bg2">
-                  <a:lumMod val="25000"/>
-                </a:schemeClr>
-              </a:solidFill>
-              <a:latin typeface="Helvetica" panose="020B0604020202030204" pitchFamily="34" charset="0"/>
-            </a:endParaRPr>
-          </a:p>
-        </p:txBody>
-      </p:sp>
-      <p:sp>
-        <p:nvSpPr>
-          <p:cNvPr id="7" name="文本框 6"/>
-          <p:cNvSpPr txBox="1"/>
-          <p:nvPr/>
-        </p:nvSpPr>
-        <p:spPr>
-          <a:xfrm>
-            <a:off x="2416585" y="4620532"/>
-            <a:ext cx="2517770" cy="400110"/>
-          </a:xfrm>
-          <a:prstGeom prst="rect">
-            <a:avLst/>
-          </a:prstGeom>
-          <a:noFill/>
-        </p:spPr>
-        <p:txBody>
-          <a:bodyPr wrap="square" rtlCol="0">
-            <a:spAutoFit/>
-          </a:bodyPr>
-          <a:lstStyle/>
-          <a:p>
-            <a:pPr algn="ctr"/>
-            <a:r>
-              <a:rPr lang="zh-CN" altLang="en-US" sz="2000" dirty="0" smtClean="0">
-                <a:solidFill>
-                  <a:schemeClr val="bg2">
-                    <a:lumMod val="25000"/>
-                  </a:schemeClr>
-                </a:solidFill>
-                <a:latin typeface="Helvetica" panose="020B0604020202030204" pitchFamily="34" charset="0"/>
-              </a:rPr>
-              <a:t>教师代表：杨枨老师</a:t>
-            </a:r>
-            <a:endParaRPr lang="zh-CN" altLang="en-US" sz="2000" dirty="0">
-              <a:solidFill>
-                <a:schemeClr val="bg2">
-                  <a:lumMod val="25000"/>
-                </a:schemeClr>
-              </a:solidFill>
-              <a:latin typeface="Helvetica" panose="020B0604020202030204" pitchFamily="34" charset="0"/>
-            </a:endParaRPr>
-          </a:p>
-        </p:txBody>
-      </p:sp>
-      <p:pic>
-        <p:nvPicPr>
-          <p:cNvPr id="1026" name="Picture 2"/>
-          <p:cNvPicPr>
-            <a:picLocks noChangeAspect="1" noChangeArrowheads="1"/>
-          </p:cNvPicPr>
-          <p:nvPr/>
-        </p:nvPicPr>
-        <p:blipFill>
-          <a:blip r:embed="rId2" cstate="print">
-            <a:extLst>
-              <a:ext uri="{28A0092B-C50C-407E-A947-70E740481C1C}">
-                <a14:useLocalDpi xmlns:a14="http://schemas.microsoft.com/office/drawing/2010/main" val="0"/>
-              </a:ext>
-            </a:extLst>
-          </a:blip>
-          <a:srcRect/>
-          <a:stretch>
-            <a:fillRect/>
-          </a:stretch>
-        </p:blipFill>
-        <p:spPr bwMode="auto">
-          <a:xfrm>
-            <a:off x="3094910" y="3254233"/>
-            <a:ext cx="1161121" cy="1161121"/>
-          </a:xfrm>
-          <a:prstGeom prst="rect">
-            <a:avLst/>
-          </a:prstGeom>
-          <a:noFill/>
-          <a:ln>
-            <a:noFill/>
-          </a:ln>
-          <a:extLst>
-            <a:ext uri="{909E8E84-426E-40DD-AFC4-6F175D3DCCD1}">
-              <a14:hiddenFill xmlns:a14="http://schemas.microsoft.com/office/drawing/2010/main">
-                <a:solidFill>
-                  <a:schemeClr val="accent1"/>
-                </a:solidFill>
-              </a14:hiddenFill>
-            </a:ext>
-            <a:ext uri="{91240B29-F687-4F45-9708-019B960494DF}">
-              <a14:hiddenLine xmlns:a14="http://schemas.microsoft.com/office/drawing/2010/main" w="9525">
-                <a:solidFill>
-                  <a:schemeClr val="tx1"/>
-                </a:solidFill>
-                <a:miter lim="800000"/>
-                <a:headEnd/>
-                <a:tailEnd/>
-              </a14:hiddenLine>
-            </a:ext>
-          </a:extLst>
-        </p:spPr>
-      </p:pic>
-      <p:pic>
-        <p:nvPicPr>
-          <p:cNvPr id="1027" name="Picture 3"/>
-          <p:cNvPicPr>
-            <a:picLocks noChangeAspect="1" noChangeArrowheads="1"/>
-          </p:cNvPicPr>
-          <p:nvPr/>
-        </p:nvPicPr>
-        <p:blipFill>
-          <a:blip r:embed="rId3" cstate="print">
-            <a:extLst>
-              <a:ext uri="{28A0092B-C50C-407E-A947-70E740481C1C}">
-                <a14:useLocalDpi xmlns:a14="http://schemas.microsoft.com/office/drawing/2010/main" val="0"/>
-              </a:ext>
-            </a:extLst>
-          </a:blip>
-          <a:srcRect/>
-          <a:stretch>
-            <a:fillRect/>
-          </a:stretch>
-        </p:blipFill>
-        <p:spPr bwMode="auto">
-          <a:xfrm>
-            <a:off x="7749584" y="3254233"/>
-            <a:ext cx="1264621" cy="1264621"/>
-          </a:xfrm>
-          <a:prstGeom prst="rect">
-            <a:avLst/>
-          </a:prstGeom>
-          <a:noFill/>
-          <a:ln>
-            <a:noFill/>
-          </a:ln>
-          <a:extLst>
-            <a:ext uri="{909E8E84-426E-40DD-AFC4-6F175D3DCCD1}">
-              <a14:hiddenFill xmlns:a14="http://schemas.microsoft.com/office/drawing/2010/main">
-                <a:solidFill>
-                  <a:schemeClr val="accent1"/>
-                </a:solidFill>
-              </a14:hiddenFill>
-            </a:ext>
-            <a:ext uri="{91240B29-F687-4F45-9708-019B960494DF}">
-              <a14:hiddenLine xmlns:a14="http://schemas.microsoft.com/office/drawing/2010/main" w="9525">
-                <a:solidFill>
-                  <a:schemeClr val="tx1"/>
-                </a:solidFill>
-                <a:miter lim="800000"/>
-                <a:headEnd/>
-                <a:tailEnd/>
-              </a14:hiddenLine>
-            </a:ext>
-          </a:extLst>
-        </p:spPr>
-      </p:pic>
-      <p:sp>
-        <p:nvSpPr>
-          <p:cNvPr id="19" name="文本框 6"/>
-          <p:cNvSpPr txBox="1"/>
-          <p:nvPr/>
-        </p:nvSpPr>
-        <p:spPr>
-          <a:xfrm>
-            <a:off x="7123008" y="4659539"/>
-            <a:ext cx="3354491" cy="400110"/>
-          </a:xfrm>
-          <a:prstGeom prst="rect">
-            <a:avLst/>
-          </a:prstGeom>
-          <a:noFill/>
-        </p:spPr>
-        <p:txBody>
-          <a:bodyPr wrap="square" rtlCol="0">
-            <a:spAutoFit/>
-          </a:bodyPr>
-          <a:lstStyle/>
-          <a:p>
-            <a:pPr algn="ctr"/>
-            <a:r>
-              <a:rPr lang="zh-CN" altLang="en-US" sz="2000" dirty="0" smtClean="0">
-                <a:solidFill>
-                  <a:schemeClr val="bg2">
-                    <a:lumMod val="25000"/>
-                  </a:schemeClr>
-                </a:solidFill>
-                <a:latin typeface="Helvetica" panose="020B0604020202030204" pitchFamily="34" charset="0"/>
-              </a:rPr>
-              <a:t>管理员代表：陈尚辉学长</a:t>
-            </a:r>
-            <a:endParaRPr lang="zh-CN" altLang="en-US" sz="2000" dirty="0">
-              <a:solidFill>
-                <a:schemeClr val="bg2">
-                  <a:lumMod val="25000"/>
-                </a:schemeClr>
-              </a:solidFill>
-              <a:latin typeface="Helvetica" panose="020B0604020202030204" pitchFamily="34" charset="0"/>
-            </a:endParaRPr>
+              <a:rPr lang="zh-CN" altLang="en-US" dirty="0" smtClean="0"/>
+              <a:t>小问题：</a:t>
+            </a:r>
+            <a:endParaRPr lang="en-US" altLang="zh-CN" dirty="0" smtClean="0"/>
+          </a:p>
+          <a:p>
+            <a:pPr marL="342900" indent="-342900">
+              <a:buAutoNum type="arabicPeriod"/>
+            </a:pPr>
+            <a:r>
+              <a:rPr lang="zh-CN" altLang="en-US" dirty="0" smtClean="0"/>
+              <a:t>教师是否需要有删除评论的权利。</a:t>
+            </a:r>
+            <a:endParaRPr lang="en-US" altLang="zh-CN" dirty="0" smtClean="0"/>
+          </a:p>
+          <a:p>
+            <a:pPr marL="342900" indent="-342900">
+              <a:buAutoNum type="arabicPeriod"/>
+            </a:pPr>
+            <a:endParaRPr lang="en-US" altLang="zh-CN" dirty="0"/>
+          </a:p>
+          <a:p>
+            <a:r>
+              <a:rPr lang="zh-CN" altLang="en-US" dirty="0" smtClean="0"/>
+              <a:t>改进：</a:t>
+            </a:r>
+            <a:endParaRPr lang="en-US" altLang="zh-CN" dirty="0" smtClean="0"/>
+          </a:p>
+          <a:p>
+            <a:pPr marL="342900" indent="-342900">
+              <a:buAutoNum type="arabicPeriod"/>
+            </a:pPr>
+            <a:r>
+              <a:rPr lang="zh-CN" altLang="en-US" dirty="0" smtClean="0"/>
+              <a:t>管理员原型改进，加入到</a:t>
+            </a:r>
+            <a:r>
+              <a:rPr lang="en-US" altLang="zh-CN" dirty="0" smtClean="0"/>
+              <a:t>web</a:t>
+            </a:r>
+            <a:r>
+              <a:rPr lang="zh-CN" altLang="en-US" dirty="0" smtClean="0"/>
+              <a:t>端。</a:t>
+            </a:r>
+            <a:endParaRPr lang="en-US" altLang="zh-CN" dirty="0" smtClean="0"/>
+          </a:p>
+          <a:p>
+            <a:pPr marL="342900" indent="-342900">
+              <a:buAutoNum type="arabicPeriod"/>
+            </a:pPr>
+            <a:r>
+              <a:rPr lang="zh-CN" altLang="en-US" dirty="0" smtClean="0"/>
+              <a:t>管理员可以直接删除帖子和评论</a:t>
+            </a:r>
+            <a:endParaRPr lang="en-US" altLang="zh-CN" dirty="0" smtClean="0"/>
+          </a:p>
+          <a:p>
+            <a:pPr marL="342900" indent="-342900">
+              <a:buAutoNum type="arabicPeriod"/>
+            </a:pPr>
+            <a:r>
+              <a:rPr lang="zh-CN" altLang="en-US" dirty="0" smtClean="0"/>
+              <a:t>管理员通知可以置顶，并且设置置顶时间</a:t>
+            </a:r>
+            <a:endParaRPr lang="en-US" altLang="zh-CN" dirty="0" smtClean="0"/>
+          </a:p>
+          <a:p>
+            <a:pPr marL="342900" indent="-342900">
+              <a:buAutoNum type="arabicPeriod"/>
+            </a:pPr>
+            <a:r>
+              <a:rPr lang="zh-CN" altLang="en-US" dirty="0" smtClean="0"/>
+              <a:t>教师要求的头像</a:t>
+            </a:r>
+            <a:r>
+              <a:rPr lang="en-US" altLang="zh-CN" dirty="0" smtClean="0"/>
+              <a:t>-TA</a:t>
+            </a:r>
+            <a:r>
+              <a:rPr lang="zh-CN" altLang="en-US" dirty="0" smtClean="0"/>
+              <a:t>的主页得到更新</a:t>
+            </a:r>
+            <a:endParaRPr lang="en-US" altLang="zh-CN" dirty="0" smtClean="0"/>
+          </a:p>
+          <a:p>
+            <a:pPr marL="342900" indent="-342900">
+              <a:buAutoNum type="arabicPeriod"/>
+            </a:pPr>
+            <a:r>
+              <a:rPr lang="zh-CN" altLang="en-US" dirty="0" smtClean="0"/>
+              <a:t>教师的消息中心得到更新</a:t>
+            </a:r>
+            <a:endParaRPr lang="en-US" altLang="zh-CN" dirty="0" smtClean="0"/>
+          </a:p>
+          <a:p>
+            <a:pPr marL="342900" indent="-342900">
+              <a:buAutoNum type="arabicPeriod"/>
+            </a:pPr>
+            <a:endParaRPr lang="en-US" altLang="zh-CN" dirty="0" smtClean="0"/>
           </a:p>
         </p:txBody>
       </p:sp>
     </p:spTree>
     <p:extLst>
       <p:ext uri="{BB962C8B-B14F-4D97-AF65-F5344CB8AC3E}">
-        <p14:creationId xmlns:p14="http://schemas.microsoft.com/office/powerpoint/2010/main" val="2296871051"/>
+        <p14:creationId xmlns:p14="http://schemas.microsoft.com/office/powerpoint/2010/main" val="2498705579"/>
       </p:ext>
     </p:extLst>
   </p:cSld>
@@ -6807,7 +6728,7 @@
                 </a:solidFill>
                 <a:latin typeface="Helvetica" panose="020B0604020202030204" pitchFamily="34" charset="0"/>
               </a:rPr>
-              <a:t>THREE+</a:t>
+              <a:t>THREE</a:t>
             </a:r>
             <a:endParaRPr lang="zh-CN" altLang="en-US" sz="8800" dirty="0">
               <a:solidFill>
@@ -6847,7 +6768,7 @@
                 </a:solidFill>
                 <a:latin typeface="Helvetica" panose="020B0604020202030204" pitchFamily="34" charset="0"/>
               </a:rPr>
-              <a:t>小问题</a:t>
+              <a:t>原型</a:t>
             </a:r>
             <a:endParaRPr lang="zh-CN" altLang="en-US" sz="2000" dirty="0">
               <a:solidFill>
@@ -6861,7 +6782,7 @@
     </p:spTree>
     <p:extLst>
       <p:ext uri="{BB962C8B-B14F-4D97-AF65-F5344CB8AC3E}">
-        <p14:creationId xmlns:p14="http://schemas.microsoft.com/office/powerpoint/2010/main" val="2385876264"/>
+        <p14:creationId xmlns:p14="http://schemas.microsoft.com/office/powerpoint/2010/main" val="3562234038"/>
       </p:ext>
     </p:extLst>
   </p:cSld>
